--- a/5月工作汇报-陈江滨.pptx
+++ b/5月工作汇报-陈江滨.pptx
@@ -12,8 +12,9 @@
     <p:sldId id="259" r:id="rId6"/>
     <p:sldId id="256" r:id="rId7"/>
     <p:sldId id="257" r:id="rId8"/>
-    <p:sldId id="260" r:id="rId9"/>
-    <p:sldId id="262" r:id="rId10"/>
+    <p:sldId id="266" r:id="rId9"/>
+    <p:sldId id="260" r:id="rId10"/>
+    <p:sldId id="262" r:id="rId11"/>
   </p:sldIdLst>
   <p:sldSz cx="12192000" cy="6858000"/>
   <p:notesSz cx="6858000" cy="9144000"/>
@@ -251,7 +252,7 @@
           <a:p>
             <a:fld id="{05396F9E-055A-499E-82A4-8CCE55A84A1E}" type="datetimeFigureOut">
               <a:rPr lang="zh-CN" altLang="en-US" smtClean="0"/>
-              <a:t>2019/6/10</a:t>
+              <a:t>2019/6/17</a:t>
             </a:fld>
             <a:endParaRPr lang="zh-CN" altLang="en-US"/>
           </a:p>
@@ -421,7 +422,7 @@
           <a:p>
             <a:fld id="{05396F9E-055A-499E-82A4-8CCE55A84A1E}" type="datetimeFigureOut">
               <a:rPr lang="zh-CN" altLang="en-US" smtClean="0"/>
-              <a:t>2019/6/10</a:t>
+              <a:t>2019/6/17</a:t>
             </a:fld>
             <a:endParaRPr lang="zh-CN" altLang="en-US"/>
           </a:p>
@@ -601,7 +602,7 @@
           <a:p>
             <a:fld id="{05396F9E-055A-499E-82A4-8CCE55A84A1E}" type="datetimeFigureOut">
               <a:rPr lang="zh-CN" altLang="en-US" smtClean="0"/>
-              <a:t>2019/6/10</a:t>
+              <a:t>2019/6/17</a:t>
             </a:fld>
             <a:endParaRPr lang="zh-CN" altLang="en-US"/>
           </a:p>
@@ -771,7 +772,7 @@
           <a:p>
             <a:fld id="{05396F9E-055A-499E-82A4-8CCE55A84A1E}" type="datetimeFigureOut">
               <a:rPr lang="zh-CN" altLang="en-US" smtClean="0"/>
-              <a:t>2019/6/10</a:t>
+              <a:t>2019/6/17</a:t>
             </a:fld>
             <a:endParaRPr lang="zh-CN" altLang="en-US"/>
           </a:p>
@@ -1017,7 +1018,7 @@
           <a:p>
             <a:fld id="{05396F9E-055A-499E-82A4-8CCE55A84A1E}" type="datetimeFigureOut">
               <a:rPr lang="zh-CN" altLang="en-US" smtClean="0"/>
-              <a:t>2019/6/10</a:t>
+              <a:t>2019/6/17</a:t>
             </a:fld>
             <a:endParaRPr lang="zh-CN" altLang="en-US"/>
           </a:p>
@@ -1249,7 +1250,7 @@
           <a:p>
             <a:fld id="{05396F9E-055A-499E-82A4-8CCE55A84A1E}" type="datetimeFigureOut">
               <a:rPr lang="zh-CN" altLang="en-US" smtClean="0"/>
-              <a:t>2019/6/10</a:t>
+              <a:t>2019/6/17</a:t>
             </a:fld>
             <a:endParaRPr lang="zh-CN" altLang="en-US"/>
           </a:p>
@@ -1616,7 +1617,7 @@
           <a:p>
             <a:fld id="{05396F9E-055A-499E-82A4-8CCE55A84A1E}" type="datetimeFigureOut">
               <a:rPr lang="zh-CN" altLang="en-US" smtClean="0"/>
-              <a:t>2019/6/10</a:t>
+              <a:t>2019/6/17</a:t>
             </a:fld>
             <a:endParaRPr lang="zh-CN" altLang="en-US"/>
           </a:p>
@@ -1734,7 +1735,7 @@
           <a:p>
             <a:fld id="{05396F9E-055A-499E-82A4-8CCE55A84A1E}" type="datetimeFigureOut">
               <a:rPr lang="zh-CN" altLang="en-US" smtClean="0"/>
-              <a:t>2019/6/10</a:t>
+              <a:t>2019/6/17</a:t>
             </a:fld>
             <a:endParaRPr lang="zh-CN" altLang="en-US"/>
           </a:p>
@@ -1829,7 +1830,7 @@
           <a:p>
             <a:fld id="{05396F9E-055A-499E-82A4-8CCE55A84A1E}" type="datetimeFigureOut">
               <a:rPr lang="zh-CN" altLang="en-US" smtClean="0"/>
-              <a:t>2019/6/10</a:t>
+              <a:t>2019/6/17</a:t>
             </a:fld>
             <a:endParaRPr lang="zh-CN" altLang="en-US"/>
           </a:p>
@@ -2106,7 +2107,7 @@
           <a:p>
             <a:fld id="{05396F9E-055A-499E-82A4-8CCE55A84A1E}" type="datetimeFigureOut">
               <a:rPr lang="zh-CN" altLang="en-US" smtClean="0"/>
-              <a:t>2019/6/10</a:t>
+              <a:t>2019/6/17</a:t>
             </a:fld>
             <a:endParaRPr lang="zh-CN" altLang="en-US"/>
           </a:p>
@@ -2359,7 +2360,7 @@
           <a:p>
             <a:fld id="{05396F9E-055A-499E-82A4-8CCE55A84A1E}" type="datetimeFigureOut">
               <a:rPr lang="zh-CN" altLang="en-US" smtClean="0"/>
-              <a:t>2019/6/10</a:t>
+              <a:t>2019/6/17</a:t>
             </a:fld>
             <a:endParaRPr lang="zh-CN" altLang="en-US"/>
           </a:p>
@@ -2581,7 +2582,7 @@
           <a:p>
             <a:fld id="{05396F9E-055A-499E-82A4-8CCE55A84A1E}" type="datetimeFigureOut">
               <a:rPr lang="zh-CN" altLang="en-US" smtClean="0"/>
-              <a:t>2019/6/10</a:t>
+              <a:t>2019/6/17</a:t>
             </a:fld>
             <a:endParaRPr lang="zh-CN" altLang="en-US"/>
           </a:p>
@@ -3211,6 +3212,348 @@
 </p:sld>
 </file>
 
+<file path=ppt/slides/slide10.xml><?xml version="1.0" encoding="utf-8"?>
+<p:sld xmlns:a="http://schemas.openxmlformats.org/drawingml/2006/main" xmlns:r="http://schemas.openxmlformats.org/officeDocument/2006/relationships" xmlns:p="http://schemas.openxmlformats.org/presentationml/2006/main">
+  <p:cSld>
+    <p:spTree>
+      <p:nvGrpSpPr>
+        <p:cNvPr id="1" name=""/>
+        <p:cNvGrpSpPr/>
+        <p:nvPr/>
+      </p:nvGrpSpPr>
+      <p:grpSpPr>
+        <a:xfrm>
+          <a:off x="0" y="0"/>
+          <a:ext cx="0" cy="0"/>
+          <a:chOff x="0" y="0"/>
+          <a:chExt cx="0" cy="0"/>
+        </a:xfrm>
+      </p:grpSpPr>
+      <p:sp>
+        <p:nvSpPr>
+          <p:cNvPr id="4" name="文本框 3"/>
+          <p:cNvSpPr txBox="1"/>
+          <p:nvPr/>
+        </p:nvSpPr>
+        <p:spPr>
+          <a:xfrm>
+            <a:off x="757382" y="628072"/>
+            <a:ext cx="3454400" cy="369332"/>
+          </a:xfrm>
+          <a:prstGeom prst="rect">
+            <a:avLst/>
+          </a:prstGeom>
+          <a:noFill/>
+        </p:spPr>
+        <p:txBody>
+          <a:bodyPr wrap="square" rtlCol="0">
+            <a:spAutoFit/>
+          </a:bodyPr>
+          <a:lstStyle/>
+          <a:p>
+            <a:r>
+              <a:rPr lang="en-US" altLang="zh-CN" b="1" dirty="0"/>
+              <a:t>6</a:t>
+            </a:r>
+            <a:r>
+              <a:rPr lang="zh-CN" altLang="en-US" b="1" dirty="0" smtClean="0"/>
+              <a:t>月工作计划</a:t>
+            </a:r>
+            <a:endParaRPr lang="zh-CN" altLang="en-US" b="1" dirty="0"/>
+          </a:p>
+        </p:txBody>
+      </p:sp>
+      <p:sp>
+        <p:nvSpPr>
+          <p:cNvPr id="2" name="文本框 1"/>
+          <p:cNvSpPr txBox="1"/>
+          <p:nvPr/>
+        </p:nvSpPr>
+        <p:spPr>
+          <a:xfrm>
+            <a:off x="1242245" y="1375776"/>
+            <a:ext cx="9744364" cy="4616648"/>
+          </a:xfrm>
+          <a:prstGeom prst="rect">
+            <a:avLst/>
+          </a:prstGeom>
+          <a:noFill/>
+        </p:spPr>
+        <p:txBody>
+          <a:bodyPr wrap="square" rtlCol="0">
+            <a:spAutoFit/>
+          </a:bodyPr>
+          <a:lstStyle/>
+          <a:p>
+            <a:pPr>
+              <a:lnSpc>
+                <a:spcPct val="150000"/>
+              </a:lnSpc>
+            </a:pPr>
+            <a:r>
+              <a:rPr lang="zh-CN" altLang="en-US" sz="1400" b="1" dirty="0" smtClean="0"/>
+              <a:t>设备端版本计划</a:t>
+            </a:r>
+            <a:r>
+              <a:rPr lang="zh-CN" altLang="en-US" sz="1400" dirty="0" smtClean="0"/>
+              <a:t>：</a:t>
+            </a:r>
+            <a:endParaRPr lang="en-US" altLang="zh-CN" sz="1400" dirty="0" smtClean="0"/>
+          </a:p>
+          <a:p>
+            <a:pPr lvl="1">
+              <a:lnSpc>
+                <a:spcPct val="150000"/>
+              </a:lnSpc>
+            </a:pPr>
+            <a:r>
+              <a:rPr lang="en-US" altLang="zh-CN" sz="1400" dirty="0" smtClean="0"/>
+              <a:t>1</a:t>
+            </a:r>
+            <a:r>
+              <a:rPr lang="zh-CN" altLang="en-US" sz="1400" dirty="0" smtClean="0"/>
+              <a:t>、版本测试</a:t>
+            </a:r>
+            <a:endParaRPr lang="en-US" altLang="zh-CN" sz="1400" dirty="0" smtClean="0"/>
+          </a:p>
+          <a:p>
+            <a:pPr lvl="1">
+              <a:lnSpc>
+                <a:spcPct val="150000"/>
+              </a:lnSpc>
+            </a:pPr>
+            <a:r>
+              <a:rPr lang="en-US" altLang="zh-CN" sz="1400" dirty="0" smtClean="0"/>
+              <a:t>      P200</a:t>
+            </a:r>
+            <a:r>
+              <a:rPr lang="zh-CN" altLang="en-US" sz="1400" dirty="0" smtClean="0"/>
+              <a:t>项目、</a:t>
+            </a:r>
+            <a:r>
+              <a:rPr lang="en-US" altLang="zh-CN" sz="1400" dirty="0" smtClean="0"/>
+              <a:t>P023</a:t>
+            </a:r>
+            <a:r>
+              <a:rPr lang="zh-CN" altLang="en-US" sz="1400" dirty="0" smtClean="0"/>
+              <a:t>项目</a:t>
+            </a:r>
+            <a:endParaRPr lang="en-US" altLang="zh-CN" sz="1400" dirty="0"/>
+          </a:p>
+          <a:p>
+            <a:pPr lvl="1">
+              <a:lnSpc>
+                <a:spcPct val="150000"/>
+              </a:lnSpc>
+            </a:pPr>
+            <a:r>
+              <a:rPr lang="en-US" altLang="zh-CN" sz="1400" dirty="0" smtClean="0"/>
+              <a:t>2</a:t>
+            </a:r>
+            <a:r>
+              <a:rPr lang="zh-CN" altLang="en-US" sz="1400" dirty="0" smtClean="0"/>
+              <a:t>、</a:t>
+            </a:r>
+            <a:r>
+              <a:rPr lang="en-US" altLang="zh-CN" sz="1400" dirty="0" smtClean="0"/>
+              <a:t>P200</a:t>
+            </a:r>
+            <a:r>
+              <a:rPr lang="zh-CN" altLang="en-US" sz="1400" dirty="0" smtClean="0"/>
+              <a:t>算法识别效果测试</a:t>
+            </a:r>
+            <a:endParaRPr lang="en-US" altLang="zh-CN" sz="1400" dirty="0" smtClean="0"/>
+          </a:p>
+          <a:p>
+            <a:pPr lvl="1">
+              <a:lnSpc>
+                <a:spcPct val="150000"/>
+              </a:lnSpc>
+            </a:pPr>
+            <a:r>
+              <a:rPr lang="en-US" altLang="zh-CN" sz="1400" dirty="0"/>
+              <a:t>3</a:t>
+            </a:r>
+            <a:r>
+              <a:rPr lang="zh-CN" altLang="en-US" sz="1400" dirty="0" smtClean="0"/>
+              <a:t>、竞品测试</a:t>
+            </a:r>
+            <a:endParaRPr lang="en-US" altLang="zh-CN" sz="1400" dirty="0" smtClean="0"/>
+          </a:p>
+          <a:p>
+            <a:pPr>
+              <a:lnSpc>
+                <a:spcPct val="150000"/>
+              </a:lnSpc>
+            </a:pPr>
+            <a:r>
+              <a:rPr lang="zh-CN" altLang="en-US" sz="1400" b="1" dirty="0" smtClean="0"/>
+              <a:t>平台端版本计划：</a:t>
+            </a:r>
+            <a:endParaRPr lang="en-US" altLang="zh-CN" sz="1400" b="1" dirty="0" smtClean="0"/>
+          </a:p>
+          <a:p>
+            <a:pPr lvl="1">
+              <a:lnSpc>
+                <a:spcPct val="150000"/>
+              </a:lnSpc>
+            </a:pPr>
+            <a:r>
+              <a:rPr lang="en-US" altLang="zh-CN" sz="1400" dirty="0" smtClean="0"/>
+              <a:t>1</a:t>
+            </a:r>
+            <a:r>
+              <a:rPr lang="zh-CN" altLang="en-US" sz="1400" dirty="0" smtClean="0"/>
+              <a:t>、运营平台</a:t>
+            </a:r>
+            <a:endParaRPr lang="en-US" altLang="zh-CN" sz="1400" dirty="0" smtClean="0"/>
+          </a:p>
+          <a:p>
+            <a:pPr lvl="1">
+              <a:lnSpc>
+                <a:spcPct val="150000"/>
+              </a:lnSpc>
+            </a:pPr>
+            <a:r>
+              <a:rPr lang="en-US" altLang="zh-CN" sz="1400" dirty="0" smtClean="0"/>
+              <a:t>      1</a:t>
+            </a:r>
+            <a:r>
+              <a:rPr lang="zh-CN" altLang="en-US" sz="1400" dirty="0" smtClean="0"/>
+              <a:t>）数据流向与性能测试</a:t>
+            </a:r>
+            <a:endParaRPr lang="en-US" altLang="zh-CN" sz="1400" dirty="0" smtClean="0"/>
+          </a:p>
+          <a:p>
+            <a:pPr lvl="1">
+              <a:lnSpc>
+                <a:spcPct val="150000"/>
+              </a:lnSpc>
+            </a:pPr>
+            <a:r>
+              <a:rPr lang="en-US" altLang="zh-CN" sz="1400" dirty="0"/>
+              <a:t> </a:t>
+            </a:r>
+            <a:r>
+              <a:rPr lang="en-US" altLang="zh-CN" sz="1400" dirty="0" smtClean="0"/>
+              <a:t>     2</a:t>
+            </a:r>
+            <a:r>
+              <a:rPr lang="zh-CN" altLang="en-US" sz="1400" dirty="0" smtClean="0"/>
+              <a:t>）版本功能迭代测试</a:t>
+            </a:r>
+            <a:endParaRPr lang="en-US" altLang="zh-CN" sz="1400" dirty="0" smtClean="0"/>
+          </a:p>
+          <a:p>
+            <a:pPr lvl="1">
+              <a:lnSpc>
+                <a:spcPct val="150000"/>
+              </a:lnSpc>
+            </a:pPr>
+            <a:r>
+              <a:rPr lang="en-US" altLang="zh-CN" sz="1400" dirty="0"/>
+              <a:t> </a:t>
+            </a:r>
+            <a:r>
+              <a:rPr lang="en-US" altLang="zh-CN" sz="1400" dirty="0" smtClean="0"/>
+              <a:t>     3</a:t>
+            </a:r>
+            <a:r>
+              <a:rPr lang="zh-CN" altLang="en-US" sz="1400" dirty="0" smtClean="0"/>
+              <a:t>）接口测试及自动化脚本应用</a:t>
+            </a:r>
+            <a:endParaRPr lang="en-US" altLang="zh-CN" sz="1400" dirty="0" smtClean="0"/>
+          </a:p>
+          <a:p>
+            <a:pPr>
+              <a:lnSpc>
+                <a:spcPct val="150000"/>
+              </a:lnSpc>
+            </a:pPr>
+            <a:r>
+              <a:rPr lang="zh-CN" altLang="en-US" sz="1400" b="1" dirty="0" smtClean="0"/>
+              <a:t>测试改善：</a:t>
+            </a:r>
+            <a:endParaRPr lang="en-US" altLang="zh-CN" sz="1400" b="1" dirty="0" smtClean="0"/>
+          </a:p>
+          <a:p>
+            <a:pPr lvl="1">
+              <a:lnSpc>
+                <a:spcPct val="150000"/>
+              </a:lnSpc>
+            </a:pPr>
+            <a:r>
+              <a:rPr lang="en-US" altLang="zh-CN" sz="1400" dirty="0" smtClean="0"/>
+              <a:t>1</a:t>
+            </a:r>
+            <a:r>
+              <a:rPr lang="zh-CN" altLang="en-US" sz="1400" dirty="0" smtClean="0"/>
+              <a:t>、测试文档规范化</a:t>
+            </a:r>
+            <a:r>
+              <a:rPr lang="en-US" altLang="zh-CN" sz="1400" dirty="0" smtClean="0"/>
+              <a:t>——</a:t>
+            </a:r>
+            <a:r>
+              <a:rPr lang="zh-CN" altLang="en-US" sz="1400" dirty="0" smtClean="0"/>
+              <a:t>测试用例</a:t>
+            </a:r>
+            <a:endParaRPr lang="en-US" altLang="zh-CN" sz="1400" dirty="0" smtClean="0"/>
+          </a:p>
+          <a:p>
+            <a:pPr lvl="1">
+              <a:lnSpc>
+                <a:spcPct val="150000"/>
+              </a:lnSpc>
+            </a:pPr>
+            <a:r>
+              <a:rPr lang="en-US" altLang="zh-CN" sz="1400" dirty="0" smtClean="0"/>
+              <a:t>2</a:t>
+            </a:r>
+            <a:r>
+              <a:rPr lang="zh-CN" altLang="en-US" sz="1400" dirty="0" smtClean="0"/>
+              <a:t>、推动产品与开发进行协议字段及业务流程的定义与评审</a:t>
+            </a:r>
+            <a:endParaRPr lang="en-US" altLang="zh-CN" sz="1400" dirty="0" smtClean="0"/>
+          </a:p>
+          <a:p>
+            <a:pPr lvl="1">
+              <a:lnSpc>
+                <a:spcPct val="150000"/>
+              </a:lnSpc>
+            </a:pPr>
+            <a:r>
+              <a:rPr lang="en-US" altLang="zh-CN" sz="1400" dirty="0" smtClean="0"/>
+              <a:t>3</a:t>
+            </a:r>
+            <a:r>
+              <a:rPr lang="zh-CN" altLang="en-US" sz="1400" dirty="0" smtClean="0"/>
+              <a:t>、严格执行版本转测标准？</a:t>
+            </a:r>
+            <a:endParaRPr lang="en-US" altLang="zh-CN" sz="1400" dirty="0" smtClean="0"/>
+          </a:p>
+        </p:txBody>
+      </p:sp>
+    </p:spTree>
+    <p:extLst>
+      <p:ext uri="{BB962C8B-B14F-4D97-AF65-F5344CB8AC3E}">
+        <p14:creationId xmlns:p14="http://schemas.microsoft.com/office/powerpoint/2010/main" val="2658095778"/>
+      </p:ext>
+    </p:extLst>
+  </p:cSld>
+  <p:clrMapOvr>
+    <a:masterClrMapping/>
+  </p:clrMapOvr>
+  <p:timing>
+    <p:tnLst>
+      <p:par>
+        <p:cTn id="1" dur="indefinite" restart="never" nodeType="tmRoot"/>
+      </p:par>
+    </p:tnLst>
+  </p:timing>
+</p:sld>
+</file>
+
 <file path=ppt/slides/slide2.xml><?xml version="1.0" encoding="utf-8"?>
 <p:sld xmlns:a="http://schemas.openxmlformats.org/drawingml/2006/main" xmlns:r="http://schemas.openxmlformats.org/officeDocument/2006/relationships" xmlns:p="http://schemas.openxmlformats.org/presentationml/2006/main">
   <p:cSld>
@@ -3271,7 +3614,7 @@
         <p:spPr>
           <a:xfrm>
             <a:off x="1126836" y="1136080"/>
-            <a:ext cx="9744364" cy="5586145"/>
+            <a:ext cx="9744364" cy="3970318"/>
           </a:xfrm>
           <a:prstGeom prst="rect">
             <a:avLst/>
@@ -3525,98 +3868,6 @@
               <a:rPr lang="zh-CN" altLang="en-US" sz="1400" dirty="0" smtClean="0"/>
               <a:t>功能测试</a:t>
             </a:r>
-          </a:p>
-          <a:p>
-            <a:pPr>
-              <a:lnSpc>
-                <a:spcPct val="150000"/>
-              </a:lnSpc>
-            </a:pPr>
-            <a:r>
-              <a:rPr lang="zh-CN" altLang="en-US" sz="1400" b="1" dirty="0" smtClean="0"/>
-              <a:t>项目测试改善：</a:t>
-            </a:r>
-            <a:endParaRPr lang="en-US" altLang="zh-CN" sz="1400" b="1" dirty="0" smtClean="0"/>
-          </a:p>
-          <a:p>
-            <a:pPr lvl="1">
-              <a:lnSpc>
-                <a:spcPct val="150000"/>
-              </a:lnSpc>
-            </a:pPr>
-            <a:r>
-              <a:rPr lang="en-US" altLang="zh-CN" sz="1400" dirty="0" smtClean="0"/>
-              <a:t>1</a:t>
-            </a:r>
-            <a:r>
-              <a:rPr lang="zh-CN" altLang="en-US" sz="1400" dirty="0" smtClean="0"/>
-              <a:t>、测试文档规范化</a:t>
-            </a:r>
-            <a:r>
-              <a:rPr lang="en-US" altLang="zh-CN" sz="1400" dirty="0" smtClean="0"/>
-              <a:t>——</a:t>
-            </a:r>
-            <a:r>
-              <a:rPr lang="zh-CN" altLang="en-US" sz="1400" dirty="0" smtClean="0"/>
-              <a:t>测试用例、功能交互流程、开发设计逻辑、算法</a:t>
-            </a:r>
-            <a:r>
-              <a:rPr lang="en-US" altLang="zh-CN" sz="1400" dirty="0" smtClean="0"/>
-              <a:t>/</a:t>
-            </a:r>
-            <a:r>
-              <a:rPr lang="zh-CN" altLang="en-US" sz="1400" dirty="0" smtClean="0"/>
-              <a:t>模组等测试方法</a:t>
-            </a:r>
-            <a:endParaRPr lang="en-US" altLang="zh-CN" sz="1400" dirty="0" smtClean="0"/>
-          </a:p>
-          <a:p>
-            <a:pPr lvl="1">
-              <a:lnSpc>
-                <a:spcPct val="150000"/>
-              </a:lnSpc>
-            </a:pPr>
-            <a:r>
-              <a:rPr lang="en-US" altLang="zh-CN" sz="1400" dirty="0" smtClean="0"/>
-              <a:t>2</a:t>
-            </a:r>
-            <a:r>
-              <a:rPr lang="zh-CN" altLang="en-US" sz="1400" dirty="0" smtClean="0"/>
-              <a:t>、产品大局观梳理</a:t>
-            </a:r>
-            <a:endParaRPr lang="en-US" altLang="zh-CN" sz="1400" dirty="0" smtClean="0"/>
-          </a:p>
-          <a:p>
-            <a:pPr lvl="1">
-              <a:lnSpc>
-                <a:spcPct val="150000"/>
-              </a:lnSpc>
-            </a:pPr>
-            <a:r>
-              <a:rPr lang="en-US" altLang="zh-CN" sz="1400" dirty="0" smtClean="0"/>
-              <a:t>3</a:t>
-            </a:r>
-            <a:r>
-              <a:rPr lang="zh-CN" altLang="en-US" sz="1400" dirty="0" smtClean="0"/>
-              <a:t>、测试脚本结构讲解</a:t>
-            </a:r>
-            <a:endParaRPr lang="en-US" altLang="zh-CN" sz="1400" dirty="0" smtClean="0"/>
-          </a:p>
-          <a:p>
-            <a:pPr lvl="1">
-              <a:lnSpc>
-                <a:spcPct val="150000"/>
-              </a:lnSpc>
-            </a:pPr>
-            <a:r>
-              <a:rPr lang="en-US" altLang="zh-CN" sz="1400" dirty="0" smtClean="0"/>
-              <a:t>4</a:t>
-            </a:r>
-            <a:r>
-              <a:rPr lang="zh-CN" altLang="en-US" sz="1400" dirty="0" smtClean="0"/>
-              <a:t>、总结版本提测多次的原因</a:t>
-            </a:r>
-            <a:endParaRPr lang="en-US" altLang="zh-CN" sz="1400" dirty="0" smtClean="0"/>
           </a:p>
         </p:txBody>
       </p:sp>
@@ -3736,11 +3987,7 @@
             </a:r>
             <a:r>
               <a:rPr lang="zh-CN" altLang="en-US" sz="1400" dirty="0" smtClean="0"/>
-              <a:t>、测试文档</a:t>
-            </a:r>
-            <a:r>
-              <a:rPr lang="zh-CN" altLang="en-US" sz="1400" dirty="0" smtClean="0"/>
-              <a:t>规范化</a:t>
+              <a:t>、测试文档规范化</a:t>
             </a:r>
             <a:endParaRPr lang="en-US" altLang="zh-CN" sz="1400" dirty="0" smtClean="0"/>
           </a:p>
@@ -3752,19 +3999,11 @@
             </a:pPr>
             <a:r>
               <a:rPr lang="en-US" altLang="zh-CN" sz="1400" dirty="0" smtClean="0"/>
-              <a:t>      </a:t>
-            </a:r>
-            <a:r>
-              <a:rPr lang="en-US" altLang="zh-CN" sz="1400" dirty="0" smtClean="0"/>
-              <a:t>1</a:t>
+              <a:t>      1</a:t>
             </a:r>
             <a:r>
               <a:rPr lang="zh-CN" altLang="en-US" sz="1400" dirty="0" smtClean="0"/>
-              <a:t>）测试用例</a:t>
-            </a:r>
-            <a:r>
-              <a:rPr lang="zh-CN" altLang="en-US" sz="1400" dirty="0" smtClean="0"/>
-              <a:t>：协议、流程等未规范</a:t>
+              <a:t>）测试用例：协议、流程等未规范</a:t>
             </a:r>
             <a:endParaRPr lang="en-US" altLang="zh-CN" sz="1400" dirty="0" smtClean="0"/>
           </a:p>
@@ -4040,27 +4279,27 @@
       </p:sp>
       <p:graphicFrame>
         <p:nvGraphicFramePr>
-          <p:cNvPr id="3" name="对象 2"/>
+          <p:cNvPr id="2" name="对象 1"/>
           <p:cNvGraphicFramePr>
             <a:graphicFrameLocks noChangeAspect="1"/>
           </p:cNvGraphicFramePr>
           <p:nvPr>
             <p:extLst>
               <p:ext uri="{D42A27DB-BD31-4B8C-83A1-F6EECF244321}">
-                <p14:modId xmlns:p14="http://schemas.microsoft.com/office/powerpoint/2010/main" val="1062906172"/>
+                <p14:modId xmlns:p14="http://schemas.microsoft.com/office/powerpoint/2010/main" val="3237646088"/>
               </p:ext>
             </p:extLst>
           </p:nvPr>
         </p:nvGraphicFramePr>
         <p:xfrm>
-          <a:off x="4904508" y="2956936"/>
-          <a:ext cx="1588656" cy="1439718"/>
+          <a:off x="4298271" y="2942053"/>
+          <a:ext cx="1553661" cy="1408005"/>
         </p:xfrm>
         <a:graphic>
           <a:graphicData uri="http://schemas.openxmlformats.org/presentationml/2006/ole">
             <mc:AlternateContent xmlns:mc="http://schemas.openxmlformats.org/markup-compatibility/2006">
               <mc:Choice xmlns:v="urn:schemas-microsoft-com:vml" Requires="v">
-                <p:oleObj spid="_x0000_s2367" name="工作表" showAsIcon="1" r:id="rId3" imgW="914400" imgH="828720" progId="Excel.Sheet.12">
+                <p:oleObj spid="_x0000_s2548" name="工作表" showAsIcon="1" r:id="rId3" imgW="914400" imgH="828720" progId="Excel.Sheet.12">
                   <p:embed/>
                 </p:oleObj>
               </mc:Choice>
@@ -4081,8 +4320,8 @@
                     </p:blipFill>
                     <p:spPr>
                       <a:xfrm>
-                        <a:off x="4904508" y="2956936"/>
-                        <a:ext cx="1588656" cy="1439718"/>
+                        <a:off x="4298271" y="2942053"/>
+                        <a:ext cx="1553661" cy="1408005"/>
                       </a:xfrm>
                       <a:prstGeom prst="rect">
                         <a:avLst/>
@@ -4545,7 +4784,7 @@
         <p:spPr>
           <a:xfrm>
             <a:off x="5156396" y="2979082"/>
-            <a:ext cx="1069110" cy="430887"/>
+            <a:ext cx="1069110" cy="577081"/>
           </a:xfrm>
           <a:prstGeom prst="rect">
             <a:avLst/>
@@ -4566,11 +4805,38 @@
           <a:p>
             <a:r>
               <a:rPr lang="en-US" altLang="zh-CN" sz="1050" dirty="0" smtClean="0"/>
+              <a:t>1</a:t>
+            </a:r>
+            <a:r>
+              <a:rPr lang="zh-CN" altLang="en-US" sz="1050" dirty="0" smtClean="0"/>
+              <a:t>、</a:t>
+            </a:r>
+            <a:r>
+              <a:rPr lang="en-US" altLang="zh-CN" sz="1050" dirty="0" smtClean="0"/>
               <a:t>Bug</a:t>
             </a:r>
             <a:r>
               <a:rPr lang="zh-CN" altLang="en-US" sz="1050" dirty="0" smtClean="0"/>
               <a:t>回归</a:t>
+            </a:r>
+            <a:endParaRPr lang="en-US" altLang="zh-CN" sz="1050" dirty="0" smtClean="0"/>
+          </a:p>
+          <a:p>
+            <a:r>
+              <a:rPr lang="en-US" altLang="zh-CN" sz="1050" dirty="0" smtClean="0"/>
+              <a:t>2</a:t>
+            </a:r>
+            <a:r>
+              <a:rPr lang="zh-CN" altLang="en-US" sz="1050" dirty="0" smtClean="0"/>
+              <a:t>、</a:t>
+            </a:r>
+            <a:r>
+              <a:rPr lang="en-US" altLang="zh-CN" sz="1050" dirty="0" smtClean="0"/>
+              <a:t>V1.1.1</a:t>
+            </a:r>
+            <a:r>
+              <a:rPr lang="zh-CN" altLang="en-US" sz="1050" dirty="0" smtClean="0"/>
+              <a:t>版本</a:t>
             </a:r>
             <a:endParaRPr lang="en-US" altLang="zh-CN" sz="1050" dirty="0" smtClean="0"/>
           </a:p>
@@ -4682,7 +4948,7 @@
             </a:r>
             <a:r>
               <a:rPr lang="zh-CN" altLang="en-US" sz="1050" dirty="0" smtClean="0"/>
-              <a:t>修复及功能迭代</a:t>
+              <a:t>修复及版本迭代</a:t>
             </a:r>
             <a:endParaRPr lang="en-US" altLang="zh-CN" sz="1050" dirty="0" smtClean="0"/>
           </a:p>
@@ -5279,7 +5545,7 @@
         <p:spPr>
           <a:xfrm>
             <a:off x="6922241" y="5629577"/>
-            <a:ext cx="1069110" cy="577081"/>
+            <a:ext cx="1069110" cy="253916"/>
           </a:xfrm>
           <a:prstGeom prst="rect">
             <a:avLst/>
@@ -5294,7 +5560,7 @@
           <a:p>
             <a:r>
               <a:rPr lang="zh-CN" altLang="en-US" sz="1050" dirty="0" smtClean="0"/>
-              <a:t>组织项目组分析平台性能指标</a:t>
+              <a:t>平台性能指标</a:t>
             </a:r>
             <a:endParaRPr lang="en-US" altLang="zh-CN" sz="1050" dirty="0" smtClean="0"/>
           </a:p>
@@ -5981,7 +6247,7 @@
           <a:p>
             <a:r>
               <a:rPr lang="zh-CN" altLang="en-US" sz="1600" dirty="0" smtClean="0"/>
-              <a:t>版本提测情况</a:t>
+              <a:t>设备端版本提测情况</a:t>
             </a:r>
             <a:endParaRPr lang="zh-CN" altLang="en-US" sz="1600" dirty="0"/>
           </a:p>
@@ -6071,7 +6337,7 @@
           <p:nvPr>
             <p:extLst>
               <p:ext uri="{D42A27DB-BD31-4B8C-83A1-F6EECF244321}">
-                <p14:modId xmlns:p14="http://schemas.microsoft.com/office/powerpoint/2010/main" val="162622447"/>
+                <p14:modId xmlns:p14="http://schemas.microsoft.com/office/powerpoint/2010/main" val="3990415540"/>
               </p:ext>
             </p:extLst>
           </p:nvPr>
@@ -6449,6 +6715,10 @@
                     <a:lstStyle/>
                     <a:p>
                       <a:pPr algn="ctr"/>
+                      <a:r>
+                        <a:rPr lang="en-US" altLang="zh-CN" sz="1200" dirty="0" smtClean="0"/>
+                        <a:t>39</a:t>
+                      </a:r>
                       <a:endParaRPr lang="zh-CN" altLang="en-US" sz="1200" dirty="0"/>
                     </a:p>
                   </a:txBody>
@@ -6460,6 +6730,10 @@
                     <a:lstStyle/>
                     <a:p>
                       <a:pPr algn="ctr"/>
+                      <a:r>
+                        <a:rPr lang="en-US" altLang="zh-CN" sz="1200" dirty="0" smtClean="0"/>
+                        <a:t>10/25.64%</a:t>
+                      </a:r>
                       <a:endParaRPr lang="zh-CN" altLang="en-US" sz="1200" dirty="0"/>
                     </a:p>
                   </a:txBody>
@@ -6471,6 +6745,10 @@
                     <a:lstStyle/>
                     <a:p>
                       <a:pPr algn="ctr"/>
+                      <a:r>
+                        <a:rPr lang="en-US" altLang="zh-CN" sz="1200" dirty="0" smtClean="0"/>
+                        <a:t>15/38.46%</a:t>
+                      </a:r>
                       <a:endParaRPr lang="zh-CN" altLang="en-US" sz="1200" dirty="0"/>
                     </a:p>
                   </a:txBody>
@@ -6482,6 +6760,10 @@
                     <a:lstStyle/>
                     <a:p>
                       <a:pPr algn="ctr"/>
+                      <a:r>
+                        <a:rPr lang="en-US" altLang="zh-CN" sz="1200" dirty="0" smtClean="0"/>
+                        <a:t>2.71</a:t>
+                      </a:r>
                       <a:endParaRPr lang="zh-CN" altLang="en-US" sz="1200" dirty="0"/>
                     </a:p>
                   </a:txBody>
@@ -6493,6 +6775,10 @@
                     <a:lstStyle/>
                     <a:p>
                       <a:pPr algn="ctr"/>
+                      <a:r>
+                        <a:rPr lang="en-US" altLang="zh-CN" sz="1200" dirty="0" smtClean="0"/>
+                        <a:t>2/5.13%</a:t>
+                      </a:r>
                       <a:endParaRPr lang="zh-CN" altLang="en-US" sz="1200" dirty="0"/>
                     </a:p>
                   </a:txBody>
@@ -6504,6 +6790,10 @@
                     <a:lstStyle/>
                     <a:p>
                       <a:pPr algn="ctr"/>
+                      <a:r>
+                        <a:rPr lang="en-US" altLang="zh-CN" sz="1200" dirty="0" smtClean="0"/>
+                        <a:t>82</a:t>
+                      </a:r>
                       <a:endParaRPr lang="zh-CN" altLang="en-US" sz="1200" dirty="0"/>
                     </a:p>
                   </a:txBody>
@@ -6542,6 +6832,10 @@
           <a:lstStyle/>
           <a:p>
             <a:r>
+              <a:rPr lang="zh-CN" altLang="en-US" sz="1600" dirty="0" smtClean="0"/>
+              <a:t>设备端</a:t>
+            </a:r>
+            <a:r>
               <a:rPr lang="en-US" altLang="zh-CN" sz="1600" dirty="0" smtClean="0"/>
               <a:t>Bug</a:t>
             </a:r>
@@ -6588,6 +6882,40 @@
               <a:t>分析</a:t>
             </a:r>
             <a:endParaRPr lang="zh-CN" altLang="en-US" b="1" dirty="0"/>
+          </a:p>
+        </p:txBody>
+      </p:sp>
+      <p:sp>
+        <p:nvSpPr>
+          <p:cNvPr id="7" name="文本框 6"/>
+          <p:cNvSpPr txBox="1"/>
+          <p:nvPr/>
+        </p:nvSpPr>
+        <p:spPr>
+          <a:xfrm>
+            <a:off x="1126479" y="3128291"/>
+            <a:ext cx="3614197" cy="338554"/>
+          </a:xfrm>
+          <a:prstGeom prst="rect">
+            <a:avLst/>
+          </a:prstGeom>
+          <a:noFill/>
+        </p:spPr>
+        <p:txBody>
+          <a:bodyPr wrap="square" rtlCol="0">
+            <a:spAutoFit/>
+          </a:bodyPr>
+          <a:lstStyle/>
+          <a:p>
+            <a:r>
+              <a:rPr lang="en-US" altLang="zh-CN" sz="1600" dirty="0" smtClean="0"/>
+              <a:t>Bug</a:t>
+            </a:r>
+            <a:r>
+              <a:rPr lang="zh-CN" altLang="en-US" sz="1600" dirty="0" smtClean="0"/>
+              <a:t>引入原因</a:t>
+            </a:r>
+            <a:endParaRPr lang="zh-CN" altLang="en-US" sz="1600" dirty="0"/>
           </a:p>
         </p:txBody>
       </p:sp>
@@ -6630,7 +6958,7 @@
       </p:grpSpPr>
       <p:sp>
         <p:nvSpPr>
-          <p:cNvPr id="4" name="文本框 3"/>
+          <p:cNvPr id="5" name="文本框 4"/>
           <p:cNvSpPr txBox="1"/>
           <p:nvPr/>
         </p:nvSpPr>
@@ -6652,12 +6980,787 @@
           <a:p>
             <a:r>
               <a:rPr lang="zh-CN" altLang="en-US" b="1" dirty="0" smtClean="0"/>
-              <a:t>存在问题汇总</a:t>
+              <a:t>版本提测及</a:t>
+            </a:r>
+            <a:r>
+              <a:rPr lang="en-US" altLang="zh-CN" b="1" dirty="0" smtClean="0"/>
+              <a:t>Bug</a:t>
+            </a:r>
+            <a:r>
+              <a:rPr lang="zh-CN" altLang="en-US" b="1" dirty="0" smtClean="0"/>
+              <a:t>分析</a:t>
             </a:r>
             <a:endParaRPr lang="zh-CN" altLang="en-US" b="1" dirty="0"/>
           </a:p>
         </p:txBody>
       </p:sp>
+      <p:graphicFrame>
+        <p:nvGraphicFramePr>
+          <p:cNvPr id="6" name="表格 5"/>
+          <p:cNvGraphicFramePr>
+            <a:graphicFrameLocks noGrp="1"/>
+          </p:cNvGraphicFramePr>
+          <p:nvPr>
+            <p:extLst>
+              <p:ext uri="{D42A27DB-BD31-4B8C-83A1-F6EECF244321}">
+                <p14:modId xmlns:p14="http://schemas.microsoft.com/office/powerpoint/2010/main" val="3385248179"/>
+              </p:ext>
+            </p:extLst>
+          </p:nvPr>
+        </p:nvGraphicFramePr>
+        <p:xfrm>
+          <a:off x="1126479" y="1637412"/>
+          <a:ext cx="9550757" cy="1745028"/>
+        </p:xfrm>
+        <a:graphic>
+          <a:graphicData uri="http://schemas.openxmlformats.org/drawingml/2006/table">
+            <a:tbl>
+              <a:tblPr firstRow="1" bandRow="1">
+                <a:tableStyleId>{5C22544A-7EE6-4342-B048-85BDC9FD1C3A}</a:tableStyleId>
+              </a:tblPr>
+              <a:tblGrid>
+                <a:gridCol w="640177">
+                  <a:extLst>
+                    <a:ext uri="{9D8B030D-6E8A-4147-A177-3AD203B41FA5}">
+                      <a16:colId xmlns:a16="http://schemas.microsoft.com/office/drawing/2014/main" val="3582662001"/>
+                    </a:ext>
+                  </a:extLst>
+                </a:gridCol>
+                <a:gridCol w="1068908">
+                  <a:extLst>
+                    <a:ext uri="{9D8B030D-6E8A-4147-A177-3AD203B41FA5}">
+                      <a16:colId xmlns:a16="http://schemas.microsoft.com/office/drawing/2014/main" val="443386889"/>
+                    </a:ext>
+                  </a:extLst>
+                </a:gridCol>
+                <a:gridCol w="1440872">
+                  <a:extLst>
+                    <a:ext uri="{9D8B030D-6E8A-4147-A177-3AD203B41FA5}">
+                      <a16:colId xmlns:a16="http://schemas.microsoft.com/office/drawing/2014/main" val="1193323362"/>
+                    </a:ext>
+                  </a:extLst>
+                </a:gridCol>
+                <a:gridCol w="1745673">
+                  <a:extLst>
+                    <a:ext uri="{9D8B030D-6E8A-4147-A177-3AD203B41FA5}">
+                      <a16:colId xmlns:a16="http://schemas.microsoft.com/office/drawing/2014/main" val="4057531282"/>
+                    </a:ext>
+                  </a:extLst>
+                </a:gridCol>
+                <a:gridCol w="1440873">
+                  <a:extLst>
+                    <a:ext uri="{9D8B030D-6E8A-4147-A177-3AD203B41FA5}">
+                      <a16:colId xmlns:a16="http://schemas.microsoft.com/office/drawing/2014/main" val="2844749733"/>
+                    </a:ext>
+                  </a:extLst>
+                </a:gridCol>
+                <a:gridCol w="1699491">
+                  <a:extLst>
+                    <a:ext uri="{9D8B030D-6E8A-4147-A177-3AD203B41FA5}">
+                      <a16:colId xmlns:a16="http://schemas.microsoft.com/office/drawing/2014/main" val="3603334489"/>
+                    </a:ext>
+                  </a:extLst>
+                </a:gridCol>
+                <a:gridCol w="1514763">
+                  <a:extLst>
+                    <a:ext uri="{9D8B030D-6E8A-4147-A177-3AD203B41FA5}">
+                      <a16:colId xmlns:a16="http://schemas.microsoft.com/office/drawing/2014/main" val="706299963"/>
+                    </a:ext>
+                  </a:extLst>
+                </a:gridCol>
+              </a:tblGrid>
+              <a:tr h="319020">
+                <a:tc>
+                  <a:txBody>
+                    <a:bodyPr/>
+                    <a:lstStyle/>
+                    <a:p>
+                      <a:pPr algn="ctr"/>
+                      <a:r>
+                        <a:rPr lang="zh-CN" altLang="en-US" sz="1200" dirty="0" smtClean="0"/>
+                        <a:t>版本</a:t>
+                      </a:r>
+                      <a:endParaRPr lang="zh-CN" altLang="en-US" sz="1200" dirty="0"/>
+                    </a:p>
+                  </a:txBody>
+                  <a:tcPr/>
+                </a:tc>
+                <a:tc>
+                  <a:txBody>
+                    <a:bodyPr/>
+                    <a:lstStyle/>
+                    <a:p>
+                      <a:r>
+                        <a:rPr lang="zh-CN" altLang="en-US" sz="1200" dirty="0" smtClean="0"/>
+                        <a:t>提交</a:t>
+                      </a:r>
+                      <a:r>
+                        <a:rPr lang="en-US" altLang="zh-CN" sz="1200" dirty="0" smtClean="0"/>
+                        <a:t>Bug</a:t>
+                      </a:r>
+                      <a:r>
+                        <a:rPr lang="zh-CN" altLang="en-US" sz="1200" dirty="0" smtClean="0"/>
+                        <a:t>总数</a:t>
+                      </a:r>
+                      <a:endParaRPr lang="zh-CN" altLang="en-US" sz="1200" dirty="0"/>
+                    </a:p>
+                  </a:txBody>
+                  <a:tcPr/>
+                </a:tc>
+                <a:tc>
+                  <a:txBody>
+                    <a:bodyPr/>
+                    <a:lstStyle/>
+                    <a:p>
+                      <a:r>
+                        <a:rPr lang="zh-CN" altLang="en-US" sz="1200" dirty="0" smtClean="0"/>
+                        <a:t>严重</a:t>
+                      </a:r>
+                      <a:r>
+                        <a:rPr lang="en-US" altLang="zh-CN" sz="1200" dirty="0" smtClean="0"/>
+                        <a:t>Bug</a:t>
+                      </a:r>
+                      <a:r>
+                        <a:rPr lang="zh-CN" altLang="en-US" sz="1200" dirty="0" smtClean="0"/>
+                        <a:t>总数</a:t>
+                      </a:r>
+                      <a:r>
+                        <a:rPr lang="en-US" altLang="zh-CN" sz="1200" dirty="0" smtClean="0"/>
+                        <a:t>/</a:t>
+                      </a:r>
+                      <a:r>
+                        <a:rPr lang="zh-CN" altLang="en-US" sz="1200" dirty="0" smtClean="0"/>
+                        <a:t>比例</a:t>
+                      </a:r>
+                      <a:endParaRPr lang="zh-CN" altLang="en-US" sz="1200" dirty="0"/>
+                    </a:p>
+                  </a:txBody>
+                  <a:tcPr/>
+                </a:tc>
+                <a:tc>
+                  <a:txBody>
+                    <a:bodyPr/>
+                    <a:lstStyle/>
+                    <a:p>
+                      <a:r>
+                        <a:rPr lang="zh-CN" altLang="en-US" sz="1200" dirty="0" smtClean="0"/>
+                        <a:t>激活状态</a:t>
+                      </a:r>
+                      <a:r>
+                        <a:rPr lang="en-US" altLang="zh-CN" sz="1200" dirty="0" smtClean="0"/>
+                        <a:t>Bug</a:t>
+                      </a:r>
+                      <a:r>
+                        <a:rPr lang="zh-CN" altLang="en-US" sz="1200" dirty="0" smtClean="0"/>
+                        <a:t>总数</a:t>
+                      </a:r>
+                      <a:r>
+                        <a:rPr lang="en-US" altLang="zh-CN" sz="1200" dirty="0" smtClean="0"/>
+                        <a:t>/</a:t>
+                      </a:r>
+                      <a:r>
+                        <a:rPr lang="zh-CN" altLang="en-US" sz="1200" dirty="0" smtClean="0"/>
+                        <a:t>比例</a:t>
+                      </a:r>
+                      <a:endParaRPr lang="zh-CN" altLang="en-US" sz="1200" dirty="0"/>
+                    </a:p>
+                  </a:txBody>
+                  <a:tcPr/>
+                </a:tc>
+                <a:tc>
+                  <a:txBody>
+                    <a:bodyPr/>
+                    <a:lstStyle/>
+                    <a:p>
+                      <a:r>
+                        <a:rPr lang="en-US" altLang="zh-CN" sz="1200" dirty="0" smtClean="0"/>
+                        <a:t>Bug</a:t>
+                      </a:r>
+                      <a:r>
+                        <a:rPr lang="zh-CN" altLang="en-US" sz="1200" dirty="0" smtClean="0"/>
+                        <a:t>平均解决周期</a:t>
+                      </a:r>
+                      <a:endParaRPr lang="zh-CN" altLang="en-US" sz="1200" dirty="0"/>
+                    </a:p>
+                  </a:txBody>
+                  <a:tcPr/>
+                </a:tc>
+                <a:tc>
+                  <a:txBody>
+                    <a:bodyPr/>
+                    <a:lstStyle/>
+                    <a:p>
+                      <a:r>
+                        <a:rPr lang="zh-CN" altLang="en-US" sz="1200" dirty="0" smtClean="0"/>
+                        <a:t>多次激活</a:t>
+                      </a:r>
+                      <a:r>
+                        <a:rPr lang="en-US" altLang="zh-CN" sz="1200" dirty="0" smtClean="0"/>
+                        <a:t>Bug</a:t>
+                      </a:r>
+                      <a:r>
+                        <a:rPr lang="zh-CN" altLang="en-US" sz="1200" dirty="0" smtClean="0"/>
+                        <a:t>数</a:t>
+                      </a:r>
+                      <a:r>
+                        <a:rPr lang="en-US" altLang="zh-CN" sz="1200" dirty="0" smtClean="0"/>
+                        <a:t>/</a:t>
+                      </a:r>
+                      <a:r>
+                        <a:rPr lang="zh-CN" altLang="en-US" sz="1200" dirty="0" smtClean="0"/>
+                        <a:t>比例</a:t>
+                      </a:r>
+                      <a:endParaRPr lang="zh-CN" altLang="en-US" sz="1200" dirty="0"/>
+                    </a:p>
+                  </a:txBody>
+                  <a:tcPr/>
+                </a:tc>
+                <a:tc>
+                  <a:txBody>
+                    <a:bodyPr/>
+                    <a:lstStyle/>
+                    <a:p>
+                      <a:r>
+                        <a:rPr lang="en-US" altLang="zh-CN" sz="1200" dirty="0" smtClean="0"/>
+                        <a:t>PMS</a:t>
+                      </a:r>
+                      <a:r>
+                        <a:rPr lang="zh-CN" altLang="en-US" sz="1200" dirty="0" smtClean="0"/>
+                        <a:t>激活</a:t>
+                      </a:r>
+                      <a:r>
+                        <a:rPr lang="en-US" altLang="zh-CN" sz="1200" dirty="0" smtClean="0"/>
+                        <a:t>Bug</a:t>
+                      </a:r>
+                      <a:r>
+                        <a:rPr lang="zh-CN" altLang="en-US" sz="1200" dirty="0" smtClean="0"/>
+                        <a:t>总数</a:t>
+                      </a:r>
+                      <a:endParaRPr lang="zh-CN" altLang="en-US" sz="1200" dirty="0"/>
+                    </a:p>
+                  </a:txBody>
+                  <a:tcPr/>
+                </a:tc>
+                <a:extLst>
+                  <a:ext uri="{0D108BD9-81ED-4DB2-BD59-A6C34878D82A}">
+                    <a16:rowId xmlns:a16="http://schemas.microsoft.com/office/drawing/2014/main" val="1830430895"/>
+                  </a:ext>
+                </a:extLst>
+              </a:tr>
+              <a:tr h="356502">
+                <a:tc>
+                  <a:txBody>
+                    <a:bodyPr/>
+                    <a:lstStyle/>
+                    <a:p>
+                      <a:pPr algn="ctr"/>
+                      <a:r>
+                        <a:rPr lang="en-US" altLang="zh-CN" sz="1200" dirty="0" smtClean="0"/>
+                        <a:t>V1.0.0</a:t>
+                      </a:r>
+                      <a:endParaRPr lang="zh-CN" altLang="en-US" sz="1200" dirty="0"/>
+                    </a:p>
+                  </a:txBody>
+                  <a:tcPr/>
+                </a:tc>
+                <a:tc>
+                  <a:txBody>
+                    <a:bodyPr/>
+                    <a:lstStyle/>
+                    <a:p>
+                      <a:pPr algn="ctr"/>
+                      <a:r>
+                        <a:rPr lang="en-US" altLang="zh-CN" sz="1200" dirty="0" smtClean="0"/>
+                        <a:t>33</a:t>
+                      </a:r>
+                      <a:endParaRPr lang="zh-CN" altLang="en-US" sz="1200" dirty="0"/>
+                    </a:p>
+                  </a:txBody>
+                  <a:tcPr/>
+                </a:tc>
+                <a:tc>
+                  <a:txBody>
+                    <a:bodyPr/>
+                    <a:lstStyle/>
+                    <a:p>
+                      <a:pPr algn="ctr"/>
+                      <a:r>
+                        <a:rPr lang="en-US" altLang="zh-CN" sz="1200" dirty="0" smtClean="0"/>
+                        <a:t>3/9.10%</a:t>
+                      </a:r>
+                      <a:endParaRPr lang="zh-CN" altLang="en-US" sz="1200" dirty="0"/>
+                    </a:p>
+                  </a:txBody>
+                  <a:tcPr/>
+                </a:tc>
+                <a:tc>
+                  <a:txBody>
+                    <a:bodyPr/>
+                    <a:lstStyle/>
+                    <a:p>
+                      <a:pPr algn="ctr"/>
+                      <a:r>
+                        <a:rPr lang="en-US" altLang="zh-CN" sz="1200" dirty="0" smtClean="0"/>
+                        <a:t>3/9.10%</a:t>
+                      </a:r>
+                      <a:endParaRPr lang="zh-CN" altLang="en-US" sz="1200" dirty="0"/>
+                    </a:p>
+                  </a:txBody>
+                  <a:tcPr/>
+                </a:tc>
+                <a:tc>
+                  <a:txBody>
+                    <a:bodyPr/>
+                    <a:lstStyle/>
+                    <a:p>
+                      <a:pPr algn="ctr"/>
+                      <a:r>
+                        <a:rPr lang="en-US" altLang="zh-CN" sz="1200" dirty="0" smtClean="0"/>
+                        <a:t>4.80</a:t>
+                      </a:r>
+                      <a:endParaRPr lang="zh-CN" altLang="en-US" sz="1200" dirty="0"/>
+                    </a:p>
+                  </a:txBody>
+                  <a:tcPr/>
+                </a:tc>
+                <a:tc>
+                  <a:txBody>
+                    <a:bodyPr/>
+                    <a:lstStyle/>
+                    <a:p>
+                      <a:pPr algn="ctr"/>
+                      <a:r>
+                        <a:rPr lang="en-US" altLang="zh-CN" sz="1200" dirty="0" smtClean="0"/>
+                        <a:t>3/9.10%</a:t>
+                      </a:r>
+                      <a:endParaRPr lang="zh-CN" altLang="en-US" sz="1200" dirty="0"/>
+                    </a:p>
+                  </a:txBody>
+                  <a:tcPr/>
+                </a:tc>
+                <a:tc>
+                  <a:txBody>
+                    <a:bodyPr/>
+                    <a:lstStyle/>
+                    <a:p>
+                      <a:pPr algn="ctr"/>
+                      <a:r>
+                        <a:rPr lang="en-US" altLang="zh-CN" sz="1200" dirty="0" smtClean="0"/>
+                        <a:t>-</a:t>
+                      </a:r>
+                      <a:endParaRPr lang="zh-CN" altLang="en-US" sz="1200" dirty="0"/>
+                    </a:p>
+                  </a:txBody>
+                  <a:tcPr/>
+                </a:tc>
+                <a:extLst>
+                  <a:ext uri="{0D108BD9-81ED-4DB2-BD59-A6C34878D82A}">
+                    <a16:rowId xmlns:a16="http://schemas.microsoft.com/office/drawing/2014/main" val="2844914975"/>
+                  </a:ext>
+                </a:extLst>
+              </a:tr>
+              <a:tr h="356502">
+                <a:tc>
+                  <a:txBody>
+                    <a:bodyPr/>
+                    <a:lstStyle/>
+                    <a:p>
+                      <a:pPr algn="ctr"/>
+                      <a:r>
+                        <a:rPr lang="en-US" altLang="zh-CN" sz="1200" dirty="0" smtClean="0"/>
+                        <a:t>V1.0.1</a:t>
+                      </a:r>
+                      <a:endParaRPr lang="zh-CN" altLang="en-US" sz="1200" dirty="0"/>
+                    </a:p>
+                  </a:txBody>
+                  <a:tcPr/>
+                </a:tc>
+                <a:tc>
+                  <a:txBody>
+                    <a:bodyPr/>
+                    <a:lstStyle/>
+                    <a:p>
+                      <a:pPr algn="ctr"/>
+                      <a:r>
+                        <a:rPr lang="en-US" altLang="zh-CN" sz="1200" dirty="0" smtClean="0"/>
+                        <a:t>18</a:t>
+                      </a:r>
+                      <a:endParaRPr lang="zh-CN" altLang="en-US" sz="1200" dirty="0"/>
+                    </a:p>
+                  </a:txBody>
+                  <a:tcPr/>
+                </a:tc>
+                <a:tc>
+                  <a:txBody>
+                    <a:bodyPr/>
+                    <a:lstStyle/>
+                    <a:p>
+                      <a:pPr algn="ctr"/>
+                      <a:r>
+                        <a:rPr lang="en-US" altLang="zh-CN" sz="1200" dirty="0" smtClean="0"/>
+                        <a:t>0/0%</a:t>
+                      </a:r>
+                      <a:endParaRPr lang="zh-CN" altLang="en-US" sz="1200" dirty="0"/>
+                    </a:p>
+                  </a:txBody>
+                  <a:tcPr/>
+                </a:tc>
+                <a:tc>
+                  <a:txBody>
+                    <a:bodyPr/>
+                    <a:lstStyle/>
+                    <a:p>
+                      <a:pPr algn="ctr"/>
+                      <a:r>
+                        <a:rPr lang="en-US" altLang="zh-CN" sz="1200" dirty="0" smtClean="0"/>
+                        <a:t>4/22.22%</a:t>
+                      </a:r>
+                      <a:endParaRPr lang="zh-CN" altLang="en-US" sz="1200" dirty="0"/>
+                    </a:p>
+                  </a:txBody>
+                  <a:tcPr/>
+                </a:tc>
+                <a:tc>
+                  <a:txBody>
+                    <a:bodyPr/>
+                    <a:lstStyle/>
+                    <a:p>
+                      <a:pPr algn="ctr"/>
+                      <a:r>
+                        <a:rPr lang="en-US" altLang="zh-CN" sz="1200" dirty="0" smtClean="0"/>
+                        <a:t>3.43</a:t>
+                      </a:r>
+                      <a:endParaRPr lang="zh-CN" altLang="en-US" sz="1200" dirty="0"/>
+                    </a:p>
+                  </a:txBody>
+                  <a:tcPr/>
+                </a:tc>
+                <a:tc>
+                  <a:txBody>
+                    <a:bodyPr/>
+                    <a:lstStyle/>
+                    <a:p>
+                      <a:pPr algn="ctr"/>
+                      <a:r>
+                        <a:rPr lang="en-US" altLang="zh-CN" sz="1200" dirty="0" smtClean="0"/>
+                        <a:t>3/16.67%</a:t>
+                      </a:r>
+                      <a:endParaRPr lang="zh-CN" altLang="en-US" sz="1200" dirty="0"/>
+                    </a:p>
+                  </a:txBody>
+                  <a:tcPr/>
+                </a:tc>
+                <a:tc>
+                  <a:txBody>
+                    <a:bodyPr/>
+                    <a:lstStyle/>
+                    <a:p>
+                      <a:pPr algn="ctr"/>
+                      <a:r>
+                        <a:rPr lang="en-US" altLang="zh-CN" sz="1200" dirty="0" smtClean="0"/>
+                        <a:t>-</a:t>
+                      </a:r>
+                      <a:endParaRPr lang="zh-CN" altLang="en-US" sz="1200" dirty="0"/>
+                    </a:p>
+                  </a:txBody>
+                  <a:tcPr/>
+                </a:tc>
+                <a:extLst>
+                  <a:ext uri="{0D108BD9-81ED-4DB2-BD59-A6C34878D82A}">
+                    <a16:rowId xmlns:a16="http://schemas.microsoft.com/office/drawing/2014/main" val="1253924840"/>
+                  </a:ext>
+                </a:extLst>
+              </a:tr>
+              <a:tr h="356502">
+                <a:tc>
+                  <a:txBody>
+                    <a:bodyPr/>
+                    <a:lstStyle/>
+                    <a:p>
+                      <a:pPr algn="ctr"/>
+                      <a:r>
+                        <a:rPr lang="en-US" altLang="zh-CN" sz="1200" dirty="0" smtClean="0"/>
+                        <a:t>V1.1.0</a:t>
+                      </a:r>
+                      <a:endParaRPr lang="zh-CN" altLang="en-US" sz="1200" dirty="0"/>
+                    </a:p>
+                  </a:txBody>
+                  <a:tcPr/>
+                </a:tc>
+                <a:tc>
+                  <a:txBody>
+                    <a:bodyPr/>
+                    <a:lstStyle/>
+                    <a:p>
+                      <a:pPr algn="ctr"/>
+                      <a:r>
+                        <a:rPr lang="en-US" altLang="zh-CN" sz="1200" dirty="0" smtClean="0"/>
+                        <a:t>15</a:t>
+                      </a:r>
+                      <a:endParaRPr lang="zh-CN" altLang="en-US" sz="1200" dirty="0"/>
+                    </a:p>
+                  </a:txBody>
+                  <a:tcPr/>
+                </a:tc>
+                <a:tc>
+                  <a:txBody>
+                    <a:bodyPr/>
+                    <a:lstStyle/>
+                    <a:p>
+                      <a:pPr marL="0" marR="0" lvl="0" indent="0" algn="ctr" defTabSz="914400" rtl="0" eaLnBrk="1" fontAlgn="auto" latinLnBrk="0" hangingPunct="1">
+                        <a:lnSpc>
+                          <a:spcPct val="100000"/>
+                        </a:lnSpc>
+                        <a:spcBef>
+                          <a:spcPts val="0"/>
+                        </a:spcBef>
+                        <a:spcAft>
+                          <a:spcPts val="0"/>
+                        </a:spcAft>
+                        <a:buClrTx/>
+                        <a:buSzTx/>
+                        <a:buFontTx/>
+                        <a:buNone/>
+                        <a:tabLst/>
+                        <a:defRPr/>
+                      </a:pPr>
+                      <a:r>
+                        <a:rPr lang="en-US" altLang="zh-CN" sz="1200" dirty="0" smtClean="0"/>
+                        <a:t>0/0%</a:t>
+                      </a:r>
+                      <a:endParaRPr lang="zh-CN" altLang="en-US" sz="1200" dirty="0" smtClean="0"/>
+                    </a:p>
+                  </a:txBody>
+                  <a:tcPr/>
+                </a:tc>
+                <a:tc>
+                  <a:txBody>
+                    <a:bodyPr/>
+                    <a:lstStyle/>
+                    <a:p>
+                      <a:pPr marL="0" marR="0" lvl="0" indent="0" algn="ctr" defTabSz="914400" rtl="0" eaLnBrk="1" fontAlgn="auto" latinLnBrk="0" hangingPunct="1">
+                        <a:lnSpc>
+                          <a:spcPct val="100000"/>
+                        </a:lnSpc>
+                        <a:spcBef>
+                          <a:spcPts val="0"/>
+                        </a:spcBef>
+                        <a:spcAft>
+                          <a:spcPts val="0"/>
+                        </a:spcAft>
+                        <a:buClrTx/>
+                        <a:buSzTx/>
+                        <a:buFontTx/>
+                        <a:buNone/>
+                        <a:tabLst/>
+                        <a:defRPr/>
+                      </a:pPr>
+                      <a:r>
+                        <a:rPr lang="en-US" altLang="zh-CN" sz="1200" dirty="0" smtClean="0"/>
+                        <a:t>0/0%</a:t>
+                      </a:r>
+                      <a:endParaRPr lang="zh-CN" altLang="en-US" sz="1200" dirty="0" smtClean="0"/>
+                    </a:p>
+                  </a:txBody>
+                  <a:tcPr/>
+                </a:tc>
+                <a:tc>
+                  <a:txBody>
+                    <a:bodyPr/>
+                    <a:lstStyle/>
+                    <a:p>
+                      <a:pPr algn="ctr"/>
+                      <a:r>
+                        <a:rPr lang="en-US" altLang="zh-CN" sz="1200" dirty="0" smtClean="0"/>
+                        <a:t>0.8</a:t>
+                      </a:r>
+                      <a:endParaRPr lang="zh-CN" altLang="en-US" sz="1200" dirty="0"/>
+                    </a:p>
+                  </a:txBody>
+                  <a:tcPr/>
+                </a:tc>
+                <a:tc>
+                  <a:txBody>
+                    <a:bodyPr/>
+                    <a:lstStyle/>
+                    <a:p>
+                      <a:pPr algn="ctr"/>
+                      <a:r>
+                        <a:rPr lang="en-US" altLang="zh-CN" sz="1200" dirty="0" smtClean="0"/>
+                        <a:t>1/6.67%</a:t>
+                      </a:r>
+                      <a:endParaRPr lang="zh-CN" altLang="en-US" sz="1200" dirty="0"/>
+                    </a:p>
+                  </a:txBody>
+                  <a:tcPr/>
+                </a:tc>
+                <a:tc>
+                  <a:txBody>
+                    <a:bodyPr/>
+                    <a:lstStyle/>
+                    <a:p>
+                      <a:pPr algn="ctr"/>
+                      <a:r>
+                        <a:rPr lang="en-US" altLang="zh-CN" sz="1200" dirty="0" smtClean="0"/>
+                        <a:t>-</a:t>
+                      </a:r>
+                    </a:p>
+                  </a:txBody>
+                  <a:tcPr/>
+                </a:tc>
+                <a:extLst>
+                  <a:ext uri="{0D108BD9-81ED-4DB2-BD59-A6C34878D82A}">
+                    <a16:rowId xmlns:a16="http://schemas.microsoft.com/office/drawing/2014/main" val="2160234542"/>
+                  </a:ext>
+                </a:extLst>
+              </a:tr>
+              <a:tr h="356502">
+                <a:tc>
+                  <a:txBody>
+                    <a:bodyPr/>
+                    <a:lstStyle/>
+                    <a:p>
+                      <a:pPr algn="ctr"/>
+                      <a:r>
+                        <a:rPr lang="en-US" altLang="zh-CN" sz="1200" dirty="0" smtClean="0"/>
+                        <a:t>V1.1.1</a:t>
+                      </a:r>
+                      <a:endParaRPr lang="zh-CN" altLang="en-US" sz="1200" dirty="0"/>
+                    </a:p>
+                  </a:txBody>
+                  <a:tcPr/>
+                </a:tc>
+                <a:tc>
+                  <a:txBody>
+                    <a:bodyPr/>
+                    <a:lstStyle/>
+                    <a:p>
+                      <a:pPr algn="ctr"/>
+                      <a:r>
+                        <a:rPr lang="en-US" altLang="zh-CN" sz="1200" dirty="0" smtClean="0"/>
+                        <a:t>5</a:t>
+                      </a:r>
+                      <a:endParaRPr lang="zh-CN" altLang="en-US" sz="1200" dirty="0"/>
+                    </a:p>
+                  </a:txBody>
+                  <a:tcPr/>
+                </a:tc>
+                <a:tc>
+                  <a:txBody>
+                    <a:bodyPr/>
+                    <a:lstStyle/>
+                    <a:p>
+                      <a:pPr marL="0" marR="0" lvl="0" indent="0" algn="ctr" defTabSz="914400" rtl="0" eaLnBrk="1" fontAlgn="auto" latinLnBrk="0" hangingPunct="1">
+                        <a:lnSpc>
+                          <a:spcPct val="100000"/>
+                        </a:lnSpc>
+                        <a:spcBef>
+                          <a:spcPts val="0"/>
+                        </a:spcBef>
+                        <a:spcAft>
+                          <a:spcPts val="0"/>
+                        </a:spcAft>
+                        <a:buClrTx/>
+                        <a:buSzTx/>
+                        <a:buFontTx/>
+                        <a:buNone/>
+                        <a:tabLst/>
+                        <a:defRPr/>
+                      </a:pPr>
+                      <a:r>
+                        <a:rPr lang="en-US" altLang="zh-CN" sz="1200" dirty="0" smtClean="0"/>
+                        <a:t>0/0%</a:t>
+                      </a:r>
+                      <a:endParaRPr lang="zh-CN" altLang="en-US" sz="1200" dirty="0" smtClean="0"/>
+                    </a:p>
+                  </a:txBody>
+                  <a:tcPr/>
+                </a:tc>
+                <a:tc>
+                  <a:txBody>
+                    <a:bodyPr/>
+                    <a:lstStyle/>
+                    <a:p>
+                      <a:pPr marL="0" marR="0" lvl="0" indent="0" algn="ctr" defTabSz="914400" rtl="0" eaLnBrk="1" fontAlgn="auto" latinLnBrk="0" hangingPunct="1">
+                        <a:lnSpc>
+                          <a:spcPct val="100000"/>
+                        </a:lnSpc>
+                        <a:spcBef>
+                          <a:spcPts val="0"/>
+                        </a:spcBef>
+                        <a:spcAft>
+                          <a:spcPts val="0"/>
+                        </a:spcAft>
+                        <a:buClrTx/>
+                        <a:buSzTx/>
+                        <a:buFontTx/>
+                        <a:buNone/>
+                        <a:tabLst/>
+                        <a:defRPr/>
+                      </a:pPr>
+                      <a:r>
+                        <a:rPr lang="en-US" altLang="zh-CN" sz="1200" dirty="0" smtClean="0"/>
+                        <a:t>2/40%</a:t>
+                      </a:r>
+                      <a:endParaRPr lang="zh-CN" altLang="en-US" sz="1200" dirty="0" smtClean="0"/>
+                    </a:p>
+                  </a:txBody>
+                  <a:tcPr/>
+                </a:tc>
+                <a:tc>
+                  <a:txBody>
+                    <a:bodyPr/>
+                    <a:lstStyle/>
+                    <a:p>
+                      <a:pPr algn="ctr"/>
+                      <a:r>
+                        <a:rPr lang="en-US" altLang="zh-CN" sz="1200" dirty="0" smtClean="0"/>
+                        <a:t>1.67</a:t>
+                      </a:r>
+                      <a:endParaRPr lang="zh-CN" altLang="en-US" sz="1200" dirty="0"/>
+                    </a:p>
+                  </a:txBody>
+                  <a:tcPr/>
+                </a:tc>
+                <a:tc>
+                  <a:txBody>
+                    <a:bodyPr/>
+                    <a:lstStyle/>
+                    <a:p>
+                      <a:pPr algn="ctr"/>
+                      <a:r>
+                        <a:rPr lang="en-US" altLang="zh-CN" sz="1200" dirty="0" smtClean="0"/>
+                        <a:t>0/0%</a:t>
+                      </a:r>
+                      <a:endParaRPr lang="zh-CN" altLang="en-US" sz="1200" dirty="0"/>
+                    </a:p>
+                  </a:txBody>
+                  <a:tcPr/>
+                </a:tc>
+                <a:tc>
+                  <a:txBody>
+                    <a:bodyPr/>
+                    <a:lstStyle/>
+                    <a:p>
+                      <a:pPr algn="ctr"/>
+                      <a:r>
+                        <a:rPr lang="en-US" altLang="zh-CN" sz="1200" dirty="0" smtClean="0"/>
+                        <a:t>15</a:t>
+                      </a:r>
+                    </a:p>
+                  </a:txBody>
+                  <a:tcPr/>
+                </a:tc>
+                <a:extLst>
+                  <a:ext uri="{0D108BD9-81ED-4DB2-BD59-A6C34878D82A}">
+                    <a16:rowId xmlns:a16="http://schemas.microsoft.com/office/drawing/2014/main" val="2371782146"/>
+                  </a:ext>
+                </a:extLst>
+              </a:tr>
+            </a:tbl>
+          </a:graphicData>
+        </a:graphic>
+      </p:graphicFrame>
       <p:sp>
         <p:nvSpPr>
           <p:cNvPr id="7" name="文本框 6"/>
@@ -6666,8 +7769,8 @@
         </p:nvSpPr>
         <p:spPr>
           <a:xfrm>
-            <a:off x="1256146" y="1459346"/>
-            <a:ext cx="7453745" cy="2677656"/>
+            <a:off x="1126479" y="1130807"/>
+            <a:ext cx="3614197" cy="338554"/>
           </a:xfrm>
           <a:prstGeom prst="rect">
             <a:avLst/>
@@ -6680,139 +7783,26 @@
           </a:bodyPr>
           <a:lstStyle/>
           <a:p>
-            <a:pPr>
-              <a:lnSpc>
-                <a:spcPct val="150000"/>
-              </a:lnSpc>
-            </a:pPr>
-            <a:r>
-              <a:rPr lang="zh-CN" altLang="en-US" sz="1400" b="1" dirty="0" smtClean="0"/>
-              <a:t>设备端问题：</a:t>
-            </a:r>
-            <a:endParaRPr lang="en-US" altLang="zh-CN" sz="1400" b="1" dirty="0" smtClean="0"/>
-          </a:p>
-          <a:p>
-            <a:pPr lvl="1">
-              <a:lnSpc>
-                <a:spcPct val="150000"/>
-              </a:lnSpc>
-            </a:pPr>
-            <a:r>
-              <a:rPr lang="en-US" altLang="zh-CN" sz="1400" dirty="0" smtClean="0"/>
-              <a:t>1</a:t>
-            </a:r>
-            <a:r>
-              <a:rPr lang="zh-CN" altLang="en-US" sz="1400" dirty="0" smtClean="0"/>
-              <a:t>、延期问题有所改善，但是</a:t>
-            </a:r>
-            <a:endParaRPr lang="en-US" altLang="zh-CN" sz="1400" dirty="0" smtClean="0"/>
-          </a:p>
-          <a:p>
-            <a:pPr lvl="1">
-              <a:lnSpc>
-                <a:spcPct val="150000"/>
-              </a:lnSpc>
-            </a:pPr>
-            <a:r>
-              <a:rPr lang="en-US" altLang="zh-CN" sz="1400" dirty="0" smtClean="0"/>
-              <a:t>2</a:t>
-            </a:r>
-            <a:r>
-              <a:rPr lang="zh-CN" altLang="en-US" sz="1400" dirty="0" smtClean="0"/>
-              <a:t>、新项目缺少需求，如</a:t>
-            </a:r>
-            <a:r>
-              <a:rPr lang="en-US" altLang="zh-CN" sz="1400" dirty="0" smtClean="0"/>
-              <a:t>P200</a:t>
-            </a:r>
-            <a:r>
-              <a:rPr lang="zh-CN" altLang="en-US" sz="1400" dirty="0" smtClean="0"/>
-              <a:t>项目、有为项目等；</a:t>
-            </a:r>
-            <a:endParaRPr lang="en-US" altLang="zh-CN" sz="1400" dirty="0" smtClean="0"/>
-          </a:p>
-          <a:p>
-            <a:pPr lvl="1">
-              <a:lnSpc>
-                <a:spcPct val="150000"/>
-              </a:lnSpc>
-            </a:pPr>
-            <a:r>
-              <a:rPr lang="en-US" altLang="zh-CN" sz="1400" dirty="0" smtClean="0"/>
-              <a:t>3</a:t>
-            </a:r>
-            <a:r>
-              <a:rPr lang="zh-CN" altLang="en-US" sz="1400" dirty="0" smtClean="0"/>
-              <a:t>、版本控制隐患；</a:t>
-            </a:r>
-            <a:endParaRPr lang="en-US" altLang="zh-CN" sz="1400" dirty="0" smtClean="0"/>
-          </a:p>
-          <a:p>
-            <a:pPr lvl="1">
-              <a:lnSpc>
-                <a:spcPct val="150000"/>
-              </a:lnSpc>
-            </a:pPr>
-            <a:r>
-              <a:rPr lang="en-US" altLang="zh-CN" sz="1400" dirty="0"/>
-              <a:t>4</a:t>
-            </a:r>
-            <a:r>
-              <a:rPr lang="zh-CN" altLang="en-US" sz="1400" dirty="0" smtClean="0"/>
-              <a:t>、测试进度较为落后；</a:t>
-            </a:r>
-            <a:endParaRPr lang="en-US" altLang="zh-CN" sz="1400" dirty="0" smtClean="0"/>
-          </a:p>
-          <a:p>
-            <a:pPr>
-              <a:lnSpc>
-                <a:spcPct val="150000"/>
-              </a:lnSpc>
-            </a:pPr>
-            <a:r>
-              <a:rPr lang="zh-CN" altLang="en-US" sz="1400" b="1" dirty="0" smtClean="0"/>
-              <a:t>平台端问题：</a:t>
-            </a:r>
-            <a:endParaRPr lang="en-US" altLang="zh-CN" sz="1400" b="1" dirty="0" smtClean="0"/>
-          </a:p>
-          <a:p>
-            <a:pPr lvl="1">
-              <a:lnSpc>
-                <a:spcPct val="150000"/>
-              </a:lnSpc>
-            </a:pPr>
-            <a:r>
-              <a:rPr lang="en-US" altLang="zh-CN" sz="1400" dirty="0" smtClean="0"/>
-              <a:t>1</a:t>
-            </a:r>
-            <a:r>
-              <a:rPr lang="zh-CN" altLang="en-US" sz="1400" dirty="0" smtClean="0"/>
-              <a:t>、需求与实际开发内容不一致；</a:t>
-            </a:r>
-            <a:endParaRPr lang="en-US" altLang="zh-CN" sz="1400" dirty="0" smtClean="0"/>
-          </a:p>
-          <a:p>
-            <a:pPr lvl="1">
-              <a:lnSpc>
-                <a:spcPct val="150000"/>
-              </a:lnSpc>
-            </a:pPr>
-            <a:r>
-              <a:rPr lang="en-US" altLang="zh-CN" sz="1400" dirty="0" smtClean="0"/>
-              <a:t>2</a:t>
-            </a:r>
-            <a:r>
-              <a:rPr lang="zh-CN" altLang="en-US" sz="1400" dirty="0" smtClean="0"/>
-              <a:t>、尽快上线基准版本进行迭代；</a:t>
-            </a:r>
-            <a:endParaRPr lang="zh-CN" altLang="en-US" sz="1400" dirty="0"/>
+            <a:r>
+              <a:rPr lang="zh-CN" altLang="en-US" sz="1600" dirty="0" smtClean="0"/>
+              <a:t>平台端</a:t>
+            </a:r>
+            <a:r>
+              <a:rPr lang="en-US" altLang="zh-CN" sz="1600" dirty="0" smtClean="0"/>
+              <a:t>Bug</a:t>
+            </a:r>
+            <a:r>
+              <a:rPr lang="zh-CN" altLang="en-US" sz="1600" dirty="0" smtClean="0"/>
+              <a:t>情况</a:t>
+            </a:r>
+            <a:endParaRPr lang="zh-CN" altLang="en-US" sz="1600" dirty="0"/>
           </a:p>
         </p:txBody>
       </p:sp>
     </p:spTree>
     <p:extLst>
       <p:ext uri="{BB962C8B-B14F-4D97-AF65-F5344CB8AC3E}">
-        <p14:creationId xmlns:p14="http://schemas.microsoft.com/office/powerpoint/2010/main" val="3860018962"/>
+        <p14:creationId xmlns:p14="http://schemas.microsoft.com/office/powerpoint/2010/main" val="631343760"/>
       </p:ext>
     </p:extLst>
   </p:cSld>
@@ -6869,12 +7859,8 @@
           <a:lstStyle/>
           <a:p>
             <a:r>
-              <a:rPr lang="en-US" altLang="zh-CN" b="1" dirty="0" smtClean="0"/>
-              <a:t>5</a:t>
-            </a:r>
-            <a:r>
               <a:rPr lang="zh-CN" altLang="en-US" b="1" dirty="0" smtClean="0"/>
-              <a:t>月工作计划</a:t>
+              <a:t>存在问题汇总</a:t>
             </a:r>
             <a:endParaRPr lang="zh-CN" altLang="en-US" b="1" dirty="0"/>
           </a:p>
@@ -6882,14 +7868,14 @@
       </p:sp>
       <p:sp>
         <p:nvSpPr>
-          <p:cNvPr id="2" name="文本框 1"/>
+          <p:cNvPr id="7" name="文本框 6"/>
           <p:cNvSpPr txBox="1"/>
           <p:nvPr/>
         </p:nvSpPr>
         <p:spPr>
           <a:xfrm>
-            <a:off x="1126836" y="1136080"/>
-            <a:ext cx="9744364" cy="5586145"/>
+            <a:off x="1256146" y="1459346"/>
+            <a:ext cx="7453745" cy="2031325"/>
           </a:xfrm>
           <a:prstGeom prst="rect">
             <a:avLst/>
@@ -6909,13 +7895,9 @@
             </a:pPr>
             <a:r>
               <a:rPr lang="zh-CN" altLang="en-US" sz="1400" b="1" dirty="0" smtClean="0"/>
-              <a:t>设备端版本计划</a:t>
-            </a:r>
-            <a:r>
-              <a:rPr lang="zh-CN" altLang="en-US" sz="1400" dirty="0" smtClean="0"/>
-              <a:t>：</a:t>
-            </a:r>
-            <a:endParaRPr lang="en-US" altLang="zh-CN" sz="1400" dirty="0" smtClean="0"/>
+              <a:t>设备端问题：</a:t>
+            </a:r>
+            <a:endParaRPr lang="en-US" altLang="zh-CN" sz="1400" b="1" dirty="0" smtClean="0"/>
           </a:p>
           <a:p>
             <a:pPr lvl="1">
@@ -6929,9 +7911,17 @@
             </a:r>
             <a:r>
               <a:rPr lang="zh-CN" altLang="en-US" sz="1400" dirty="0" smtClean="0"/>
-              <a:t>、版本测试</a:t>
-            </a:r>
-            <a:endParaRPr lang="en-US" altLang="zh-CN" sz="1400" dirty="0"/>
+              <a:t>、延期问题有所改善，除</a:t>
+            </a:r>
+            <a:r>
+              <a:rPr lang="en-US" altLang="zh-CN" sz="1400" dirty="0" smtClean="0"/>
+              <a:t>P200</a:t>
+            </a:r>
+            <a:r>
+              <a:rPr lang="zh-CN" altLang="en-US" sz="1400" dirty="0" smtClean="0"/>
+              <a:t>项目外；</a:t>
+            </a:r>
+            <a:endParaRPr lang="en-US" altLang="zh-CN" sz="1400" dirty="0" smtClean="0"/>
           </a:p>
           <a:p>
             <a:pPr lvl="1">
@@ -6941,69 +7931,21 @@
             </a:pPr>
             <a:r>
               <a:rPr lang="en-US" altLang="zh-CN" sz="1400" dirty="0" smtClean="0"/>
-              <a:t>      P023</a:t>
-            </a:r>
-            <a:r>
-              <a:rPr lang="zh-CN" altLang="en-US" sz="1400" dirty="0" smtClean="0"/>
-              <a:t>版本：包括项目版本有顺丰、</a:t>
-            </a:r>
-            <a:r>
-              <a:rPr lang="zh-CN" altLang="en-US" sz="1400" dirty="0" smtClean="0">
-                <a:solidFill>
-                  <a:srgbClr val="FF0000"/>
-                </a:solidFill>
-              </a:rPr>
-              <a:t>天津公交</a:t>
-            </a:r>
-            <a:r>
-              <a:rPr lang="zh-CN" altLang="en-US" sz="1400" dirty="0" smtClean="0"/>
-              <a:t>、通立、苏标分体机、双</a:t>
-            </a:r>
-            <a:r>
-              <a:rPr lang="en-US" altLang="zh-CN" sz="1400" dirty="0" smtClean="0"/>
-              <a:t>AHD</a:t>
+              <a:t>2</a:t>
             </a:r>
             <a:r>
               <a:rPr lang="zh-CN" altLang="en-US" sz="1400" dirty="0" smtClean="0"/>
               <a:t>、</a:t>
             </a:r>
             <a:r>
-              <a:rPr lang="zh-CN" altLang="en-US" sz="1400" dirty="0" smtClean="0">
-                <a:solidFill>
-                  <a:srgbClr val="FF0000"/>
-                </a:solidFill>
-              </a:rPr>
-              <a:t>中安</a:t>
+              <a:rPr lang="en-US" altLang="zh-CN" sz="1400" dirty="0" smtClean="0"/>
+              <a:t>P200</a:t>
             </a:r>
             <a:r>
               <a:rPr lang="zh-CN" altLang="en-US" sz="1400" dirty="0" smtClean="0"/>
-              <a:t>、</a:t>
-            </a:r>
-            <a:r>
-              <a:rPr lang="zh-CN" altLang="en-US" sz="1400" dirty="0" smtClean="0">
-                <a:solidFill>
-                  <a:srgbClr val="FF0000"/>
-                </a:solidFill>
-              </a:rPr>
-              <a:t>有为</a:t>
-            </a:r>
-            <a:r>
-              <a:rPr lang="zh-CN" altLang="en-US" sz="1400" dirty="0" smtClean="0"/>
-              <a:t>、</a:t>
-            </a:r>
-            <a:r>
-              <a:rPr lang="zh-CN" altLang="en-US" sz="1400" dirty="0" smtClean="0">
-                <a:solidFill>
-                  <a:srgbClr val="FF0000"/>
-                </a:solidFill>
-              </a:rPr>
-              <a:t>河南玖合、河南中集</a:t>
-            </a:r>
-            <a:endParaRPr lang="en-US" altLang="zh-CN" sz="1400" dirty="0" smtClean="0">
-              <a:solidFill>
-                <a:srgbClr val="FF0000"/>
-              </a:solidFill>
-            </a:endParaRPr>
+              <a:t>软件版本，缺少功能汇总、需求细化；</a:t>
+            </a:r>
+            <a:endParaRPr lang="en-US" altLang="zh-CN" sz="1400" dirty="0" smtClean="0"/>
           </a:p>
           <a:p>
             <a:pPr lvl="1">
@@ -7013,13 +7955,25 @@
             </a:pPr>
             <a:r>
               <a:rPr lang="en-US" altLang="zh-CN" sz="1400" dirty="0" smtClean="0"/>
-              <a:t>      </a:t>
+              <a:t>3</a:t>
             </a:r>
             <a:r>
               <a:rPr lang="zh-CN" altLang="en-US" sz="1400" dirty="0" smtClean="0"/>
-              <a:t>标红项目为新项目，未测试过</a:t>
+              <a:t>、接口字段定义、业务设计逻辑等不清楚；</a:t>
             </a:r>
             <a:endParaRPr lang="en-US" altLang="zh-CN" sz="1400" dirty="0" smtClean="0"/>
+          </a:p>
+          <a:p>
+            <a:pPr>
+              <a:lnSpc>
+                <a:spcPct val="150000"/>
+              </a:lnSpc>
+            </a:pPr>
+            <a:r>
+              <a:rPr lang="zh-CN" altLang="en-US" sz="1400" b="1" dirty="0" smtClean="0"/>
+              <a:t>平台端问题：</a:t>
+            </a:r>
+            <a:endParaRPr lang="en-US" altLang="zh-CN" sz="1400" b="1" dirty="0" smtClean="0"/>
           </a:p>
           <a:p>
             <a:pPr lvl="1">
@@ -7029,251 +7983,11 @@
             </a:pPr>
             <a:r>
               <a:rPr lang="en-US" altLang="zh-CN" sz="1400" dirty="0" smtClean="0"/>
-              <a:t>2</a:t>
+              <a:t>1</a:t>
             </a:r>
             <a:r>
               <a:rPr lang="zh-CN" altLang="en-US" sz="1400" dirty="0" smtClean="0"/>
-              <a:t>、</a:t>
-            </a:r>
-            <a:r>
-              <a:rPr lang="en-US" altLang="zh-CN" sz="1400" dirty="0" smtClean="0"/>
-              <a:t>P200</a:t>
-            </a:r>
-            <a:r>
-              <a:rPr lang="zh-CN" altLang="en-US" sz="1400" dirty="0" smtClean="0"/>
-              <a:t>版本：优必飞出货版本</a:t>
-            </a:r>
-            <a:r>
-              <a:rPr lang="zh-CN" altLang="en-US" sz="1400" dirty="0"/>
-              <a:t>、</a:t>
-            </a:r>
-            <a:r>
-              <a:rPr lang="en-US" altLang="zh-CN" sz="1400" dirty="0" smtClean="0"/>
-              <a:t>P200</a:t>
-            </a:r>
-            <a:r>
-              <a:rPr lang="zh-CN" altLang="en-US" sz="1400" dirty="0" smtClean="0"/>
-              <a:t>主线开发版本</a:t>
-            </a:r>
-            <a:endParaRPr lang="en-US" altLang="zh-CN" sz="1400" dirty="0" smtClean="0"/>
-          </a:p>
-          <a:p>
-            <a:pPr lvl="1">
-              <a:lnSpc>
-                <a:spcPct val="150000"/>
-              </a:lnSpc>
-            </a:pPr>
-            <a:r>
-              <a:rPr lang="en-US" altLang="zh-CN" sz="1400" dirty="0" smtClean="0"/>
-              <a:t>3</a:t>
-            </a:r>
-            <a:r>
-              <a:rPr lang="zh-CN" altLang="en-US" sz="1400" dirty="0" smtClean="0"/>
-              <a:t>、摄像头模组测试</a:t>
-            </a:r>
-            <a:endParaRPr lang="en-US" altLang="zh-CN" sz="1400" dirty="0" smtClean="0"/>
-          </a:p>
-          <a:p>
-            <a:pPr lvl="1">
-              <a:lnSpc>
-                <a:spcPct val="150000"/>
-              </a:lnSpc>
-            </a:pPr>
-            <a:r>
-              <a:rPr lang="en-US" altLang="zh-CN" sz="1400" dirty="0" smtClean="0"/>
-              <a:t>4</a:t>
-            </a:r>
-            <a:r>
-              <a:rPr lang="zh-CN" altLang="en-US" sz="1400" dirty="0" smtClean="0"/>
-              <a:t>、算法识别效果测试</a:t>
-            </a:r>
-            <a:endParaRPr lang="en-US" altLang="zh-CN" sz="1400" dirty="0"/>
-          </a:p>
-          <a:p>
-            <a:pPr>
-              <a:lnSpc>
-                <a:spcPct val="150000"/>
-              </a:lnSpc>
-            </a:pPr>
-            <a:r>
-              <a:rPr lang="zh-CN" altLang="en-US" sz="1400" b="1" dirty="0" smtClean="0"/>
-              <a:t>平台端版本计划：</a:t>
-            </a:r>
-            <a:endParaRPr lang="en-US" altLang="zh-CN" sz="1400" b="1" dirty="0" smtClean="0"/>
-          </a:p>
-          <a:p>
-            <a:pPr lvl="1">
-              <a:lnSpc>
-                <a:spcPct val="150000"/>
-              </a:lnSpc>
-            </a:pPr>
-            <a:r>
-              <a:rPr lang="en-US" altLang="zh-CN" sz="1400" dirty="0" smtClean="0"/>
-              <a:t>1</a:t>
-            </a:r>
-            <a:r>
-              <a:rPr lang="zh-CN" altLang="en-US" sz="1400" dirty="0" smtClean="0"/>
-              <a:t>、运营平台</a:t>
-            </a:r>
-            <a:endParaRPr lang="en-US" altLang="zh-CN" sz="1400" dirty="0" smtClean="0"/>
-          </a:p>
-          <a:p>
-            <a:pPr lvl="1">
-              <a:lnSpc>
-                <a:spcPct val="150000"/>
-              </a:lnSpc>
-            </a:pPr>
-            <a:r>
-              <a:rPr lang="en-US" altLang="zh-CN" sz="1400" dirty="0"/>
-              <a:t> </a:t>
-            </a:r>
-            <a:r>
-              <a:rPr lang="en-US" altLang="zh-CN" sz="1400" dirty="0" smtClean="0"/>
-              <a:t>     05.07-05.13   </a:t>
-            </a:r>
-            <a:r>
-              <a:rPr lang="zh-CN" altLang="en-US" sz="1400" dirty="0" smtClean="0"/>
-              <a:t>优先确保河南项目验收</a:t>
-            </a:r>
-            <a:endParaRPr lang="en-US" altLang="zh-CN" sz="1400" dirty="0" smtClean="0"/>
-          </a:p>
-          <a:p>
-            <a:pPr lvl="1">
-              <a:lnSpc>
-                <a:spcPct val="150000"/>
-              </a:lnSpc>
-            </a:pPr>
-            <a:r>
-              <a:rPr lang="en-US" altLang="zh-CN" sz="1400" dirty="0"/>
-              <a:t> </a:t>
-            </a:r>
-            <a:r>
-              <a:rPr lang="en-US" altLang="zh-CN" sz="1400" dirty="0" smtClean="0"/>
-              <a:t>     05.13-05.26   </a:t>
-            </a:r>
-            <a:r>
-              <a:rPr lang="zh-CN" altLang="en-US" sz="1400" dirty="0" smtClean="0"/>
-              <a:t>基准版本</a:t>
-            </a:r>
-            <a:r>
-              <a:rPr lang="en-US" altLang="zh-CN" sz="1400" dirty="0" smtClean="0"/>
-              <a:t>Web</a:t>
-            </a:r>
-            <a:r>
-              <a:rPr lang="zh-CN" altLang="en-US" sz="1400" dirty="0" smtClean="0"/>
-              <a:t>功能测试</a:t>
-            </a:r>
-            <a:endParaRPr lang="en-US" altLang="zh-CN" sz="1400" dirty="0" smtClean="0"/>
-          </a:p>
-          <a:p>
-            <a:pPr lvl="1">
-              <a:lnSpc>
-                <a:spcPct val="150000"/>
-              </a:lnSpc>
-            </a:pPr>
-            <a:r>
-              <a:rPr lang="en-US" altLang="zh-CN" sz="1400" dirty="0"/>
-              <a:t> </a:t>
-            </a:r>
-            <a:r>
-              <a:rPr lang="en-US" altLang="zh-CN" sz="1400" dirty="0" smtClean="0"/>
-              <a:t>     05.27-05.31   Web Bug</a:t>
-            </a:r>
-            <a:r>
-              <a:rPr lang="zh-CN" altLang="en-US" sz="1400" dirty="0" smtClean="0"/>
-              <a:t>回归测试</a:t>
-            </a:r>
-            <a:endParaRPr lang="en-US" altLang="zh-CN" sz="1400" dirty="0"/>
-          </a:p>
-          <a:p>
-            <a:pPr>
-              <a:lnSpc>
-                <a:spcPct val="150000"/>
-              </a:lnSpc>
-            </a:pPr>
-            <a:r>
-              <a:rPr lang="zh-CN" altLang="en-US" sz="1400" b="1" dirty="0" smtClean="0"/>
-              <a:t>项目测试改善：</a:t>
-            </a:r>
-            <a:endParaRPr lang="en-US" altLang="zh-CN" sz="1400" b="1" dirty="0" smtClean="0"/>
-          </a:p>
-          <a:p>
-            <a:pPr lvl="1">
-              <a:lnSpc>
-                <a:spcPct val="150000"/>
-              </a:lnSpc>
-            </a:pPr>
-            <a:r>
-              <a:rPr lang="en-US" altLang="zh-CN" sz="1400" dirty="0" smtClean="0"/>
-              <a:t>1</a:t>
-            </a:r>
-            <a:r>
-              <a:rPr lang="zh-CN" altLang="en-US" sz="1400" dirty="0" smtClean="0"/>
-              <a:t>、测试文档规范化</a:t>
-            </a:r>
-            <a:r>
-              <a:rPr lang="en-US" altLang="zh-CN" sz="1400" dirty="0" smtClean="0"/>
-              <a:t>——</a:t>
-            </a:r>
-            <a:r>
-              <a:rPr lang="zh-CN" altLang="en-US" sz="1400" dirty="0" smtClean="0"/>
-              <a:t>测试用例、功能交互流程、开发设计逻辑、算法</a:t>
-            </a:r>
-            <a:r>
-              <a:rPr lang="en-US" altLang="zh-CN" sz="1400" dirty="0" smtClean="0"/>
-              <a:t>/</a:t>
-            </a:r>
-            <a:r>
-              <a:rPr lang="zh-CN" altLang="en-US" sz="1400" dirty="0" smtClean="0"/>
-              <a:t>模组等测试方法</a:t>
-            </a:r>
-            <a:endParaRPr lang="en-US" altLang="zh-CN" sz="1400" dirty="0" smtClean="0"/>
-          </a:p>
-          <a:p>
-            <a:pPr lvl="1">
-              <a:lnSpc>
-                <a:spcPct val="150000"/>
-              </a:lnSpc>
-            </a:pPr>
-            <a:r>
-              <a:rPr lang="en-US" altLang="zh-CN" sz="1400" dirty="0" smtClean="0"/>
-              <a:t>2</a:t>
-            </a:r>
-            <a:r>
-              <a:rPr lang="zh-CN" altLang="en-US" sz="1400" dirty="0" smtClean="0"/>
-              <a:t>、产品大局观梳理</a:t>
-            </a:r>
-            <a:endParaRPr lang="en-US" altLang="zh-CN" sz="1400" dirty="0" smtClean="0"/>
-          </a:p>
-          <a:p>
-            <a:pPr lvl="1">
-              <a:lnSpc>
-                <a:spcPct val="150000"/>
-              </a:lnSpc>
-            </a:pPr>
-            <a:r>
-              <a:rPr lang="en-US" altLang="zh-CN" sz="1400" dirty="0" smtClean="0"/>
-              <a:t>3</a:t>
-            </a:r>
-            <a:r>
-              <a:rPr lang="zh-CN" altLang="en-US" sz="1400" dirty="0" smtClean="0"/>
-              <a:t>、测试脚本结构讲解</a:t>
-            </a:r>
-            <a:endParaRPr lang="en-US" altLang="zh-CN" sz="1400" dirty="0" smtClean="0"/>
-          </a:p>
-          <a:p>
-            <a:pPr lvl="1">
-              <a:lnSpc>
-                <a:spcPct val="150000"/>
-              </a:lnSpc>
-            </a:pPr>
-            <a:r>
-              <a:rPr lang="en-US" altLang="zh-CN" sz="1400" dirty="0" smtClean="0"/>
-              <a:t>4</a:t>
-            </a:r>
-            <a:r>
-              <a:rPr lang="zh-CN" altLang="en-US" sz="1400" dirty="0" smtClean="0"/>
-              <a:t>、总结版本提测多次的原因</a:t>
+              <a:t>、小需求频繁添加</a:t>
             </a:r>
             <a:endParaRPr lang="en-US" altLang="zh-CN" sz="1400" dirty="0" smtClean="0"/>
           </a:p>
@@ -7282,7 +7996,7 @@
     </p:spTree>
     <p:extLst>
       <p:ext uri="{BB962C8B-B14F-4D97-AF65-F5344CB8AC3E}">
-        <p14:creationId xmlns:p14="http://schemas.microsoft.com/office/powerpoint/2010/main" val="2658095778"/>
+        <p14:creationId xmlns:p14="http://schemas.microsoft.com/office/powerpoint/2010/main" val="3860018962"/>
       </p:ext>
     </p:extLst>
   </p:cSld>
